--- a/GIỚI THIỆU REACTJS.pptx
+++ b/GIỚI THIỆU REACTJS.pptx
@@ -840,7 +840,7 @@
             <a:fld id="{B61BEF0D-F0BB-DE4B-95CE-6DB70DBA9567}" type="datetimeFigureOut">
               <a:rPr lang="en-US" dirty="0"/>
               <a:pPr/>
-              <a:t>4/16/2017</a:t>
+              <a:t>4/23/2017</a:t>
             </a:fld>
             <a:endParaRPr lang="en-US" dirty="0"/>
           </a:p>
@@ -1088,7 +1088,7 @@
             <a:fld id="{B61BEF0D-F0BB-DE4B-95CE-6DB70DBA9567}" type="datetimeFigureOut">
               <a:rPr lang="en-US" dirty="0"/>
               <a:pPr/>
-              <a:t>4/16/2017</a:t>
+              <a:t>4/23/2017</a:t>
             </a:fld>
             <a:endParaRPr lang="en-US" dirty="0"/>
           </a:p>
@@ -1399,7 +1399,7 @@
             <a:fld id="{B61BEF0D-F0BB-DE4B-95CE-6DB70DBA9567}" type="datetimeFigureOut">
               <a:rPr lang="en-US" dirty="0"/>
               <a:pPr/>
-              <a:t>4/16/2017</a:t>
+              <a:t>4/23/2017</a:t>
             </a:fld>
             <a:endParaRPr lang="en-US" dirty="0"/>
           </a:p>
@@ -1737,7 +1737,7 @@
             <a:fld id="{B61BEF0D-F0BB-DE4B-95CE-6DB70DBA9567}" type="datetimeFigureOut">
               <a:rPr lang="en-US" dirty="0"/>
               <a:pPr/>
-              <a:t>4/16/2017</a:t>
+              <a:t>4/23/2017</a:t>
             </a:fld>
             <a:endParaRPr lang="en-US" dirty="0"/>
           </a:p>
@@ -2048,7 +2048,7 @@
             <a:fld id="{B61BEF0D-F0BB-DE4B-95CE-6DB70DBA9567}" type="datetimeFigureOut">
               <a:rPr lang="en-US" dirty="0"/>
               <a:pPr/>
-              <a:t>4/16/2017</a:t>
+              <a:t>4/23/2017</a:t>
             </a:fld>
             <a:endParaRPr lang="en-US" dirty="0"/>
           </a:p>
@@ -2438,7 +2438,7 @@
             <a:fld id="{B61BEF0D-F0BB-DE4B-95CE-6DB70DBA9567}" type="datetimeFigureOut">
               <a:rPr lang="en-US" dirty="0"/>
               <a:pPr/>
-              <a:t>4/16/2017</a:t>
+              <a:t>4/23/2017</a:t>
             </a:fld>
             <a:endParaRPr lang="en-US" dirty="0"/>
           </a:p>
@@ -2604,7 +2604,7 @@
           <a:p>
             <a:fld id="{55C6B4A9-1611-4792-9094-5F34BCA07E0B}" type="datetimeFigureOut">
               <a:rPr lang="en-US" dirty="0"/>
-              <a:t>4/16/2017</a:t>
+              <a:t>4/23/2017</a:t>
             </a:fld>
             <a:endParaRPr lang="en-US" dirty="0"/>
           </a:p>
@@ -2780,7 +2780,7 @@
             <a:fld id="{B61BEF0D-F0BB-DE4B-95CE-6DB70DBA9567}" type="datetimeFigureOut">
               <a:rPr lang="en-US" dirty="0"/>
               <a:pPr/>
-              <a:t>4/16/2017</a:t>
+              <a:t>4/23/2017</a:t>
             </a:fld>
             <a:endParaRPr lang="en-US" dirty="0"/>
           </a:p>
@@ -2953,7 +2953,7 @@
             <a:fld id="{B61BEF0D-F0BB-DE4B-95CE-6DB70DBA9567}" type="datetimeFigureOut">
               <a:rPr lang="en-US" dirty="0"/>
               <a:pPr/>
-              <a:t>4/16/2017</a:t>
+              <a:t>4/23/2017</a:t>
             </a:fld>
             <a:endParaRPr lang="en-US" dirty="0"/>
           </a:p>
@@ -3197,7 +3197,7 @@
             <a:fld id="{B61BEF0D-F0BB-DE4B-95CE-6DB70DBA9567}" type="datetimeFigureOut">
               <a:rPr lang="en-US" dirty="0"/>
               <a:pPr/>
-              <a:t>4/16/2017</a:t>
+              <a:t>4/23/2017</a:t>
             </a:fld>
             <a:endParaRPr lang="en-US" dirty="0"/>
           </a:p>
@@ -3425,7 +3425,7 @@
           <a:p>
             <a:fld id="{EB712588-04B1-427B-82EE-E8DB90309F08}" type="datetimeFigureOut">
               <a:rPr lang="en-US" dirty="0"/>
-              <a:t>4/16/2017</a:t>
+              <a:t>4/23/2017</a:t>
             </a:fld>
             <a:endParaRPr lang="en-US" dirty="0"/>
           </a:p>
@@ -3795,7 +3795,7 @@
             <a:fld id="{B61BEF0D-F0BB-DE4B-95CE-6DB70DBA9567}" type="datetimeFigureOut">
               <a:rPr lang="en-US" dirty="0"/>
               <a:pPr/>
-              <a:t>4/16/2017</a:t>
+              <a:t>4/23/2017</a:t>
             </a:fld>
             <a:endParaRPr lang="en-US" dirty="0"/>
           </a:p>
@@ -3915,7 +3915,7 @@
             <a:fld id="{B61BEF0D-F0BB-DE4B-95CE-6DB70DBA9567}" type="datetimeFigureOut">
               <a:rPr lang="en-US" dirty="0"/>
               <a:pPr/>
-              <a:t>4/16/2017</a:t>
+              <a:t>4/23/2017</a:t>
             </a:fld>
             <a:endParaRPr lang="en-US" dirty="0"/>
           </a:p>
@@ -4007,7 +4007,7 @@
             <a:fld id="{B61BEF0D-F0BB-DE4B-95CE-6DB70DBA9567}" type="datetimeFigureOut">
               <a:rPr lang="en-US" dirty="0"/>
               <a:pPr/>
-              <a:t>4/16/2017</a:t>
+              <a:t>4/23/2017</a:t>
             </a:fld>
             <a:endParaRPr lang="en-US" dirty="0"/>
           </a:p>
@@ -4258,7 +4258,7 @@
           <a:p>
             <a:fld id="{42A54C80-263E-416B-A8E0-580EDEADCBDC}" type="datetimeFigureOut">
               <a:rPr lang="en-US" dirty="0"/>
-              <a:t>4/16/2017</a:t>
+              <a:t>4/23/2017</a:t>
             </a:fld>
             <a:endParaRPr lang="en-US" dirty="0"/>
           </a:p>
@@ -4517,7 +4517,7 @@
             <a:fld id="{B61BEF0D-F0BB-DE4B-95CE-6DB70DBA9567}" type="datetimeFigureOut">
               <a:rPr lang="en-US" dirty="0"/>
               <a:pPr/>
-              <a:t>4/16/2017</a:t>
+              <a:t>4/23/2017</a:t>
             </a:fld>
             <a:endParaRPr lang="en-US" dirty="0"/>
           </a:p>
@@ -5257,7 +5257,7 @@
             <a:fld id="{B61BEF0D-F0BB-DE4B-95CE-6DB70DBA9567}" type="datetimeFigureOut">
               <a:rPr lang="en-US" dirty="0"/>
               <a:pPr/>
-              <a:t>4/16/2017</a:t>
+              <a:t>4/23/2017</a:t>
             </a:fld>
             <a:endParaRPr lang="en-US" dirty="0"/>
           </a:p>
@@ -5912,30 +5912,51 @@
           <a:lstStyle/>
           <a:p>
             <a:r>
-              <a:rPr lang="vi-VN" dirty="0" smtClean="0"/>
+              <a:rPr lang="vi-VN" dirty="0" smtClean="0">
+                <a:latin typeface="Segoe UI" panose="020B0502040204020203" pitchFamily="34" charset="0"/>
+                <a:cs typeface="Segoe UI" panose="020B0502040204020203" pitchFamily="34" charset="0"/>
+              </a:rPr>
               <a:t>React</a:t>
             </a:r>
             <a:r>
-              <a:rPr lang="en-US" dirty="0" smtClean="0"/>
+              <a:rPr lang="en-US" dirty="0" smtClean="0">
+                <a:latin typeface="Segoe UI" panose="020B0502040204020203" pitchFamily="34" charset="0"/>
+                <a:cs typeface="Segoe UI" panose="020B0502040204020203" pitchFamily="34" charset="0"/>
+              </a:rPr>
               <a:t>JS</a:t>
             </a:r>
             <a:r>
-              <a:rPr lang="vi-VN" dirty="0" smtClean="0"/>
+              <a:rPr lang="vi-VN" dirty="0" smtClean="0">
+                <a:latin typeface="Segoe UI" panose="020B0502040204020203" pitchFamily="34" charset="0"/>
+                <a:cs typeface="Segoe UI" panose="020B0502040204020203" pitchFamily="34" charset="0"/>
+              </a:rPr>
               <a:t> </a:t>
             </a:r>
             <a:r>
-              <a:rPr lang="vi-VN" dirty="0"/>
+              <a:rPr lang="vi-VN" dirty="0">
+                <a:latin typeface="Segoe UI" panose="020B0502040204020203" pitchFamily="34" charset="0"/>
+                <a:cs typeface="Segoe UI" panose="020B0502040204020203" pitchFamily="34" charset="0"/>
+              </a:rPr>
               <a:t>được Jordan Walke viết ra lần đầu tiên. Sau đó được sử dụng trên trang Newsfeed của Facebook (năm 2011) và Instagram (2012). Đến 05/2013 thì trở thành Open-source và được bảo hộ, phát triển bởi Facebook và Instagram</a:t>
             </a:r>
             <a:r>
-              <a:rPr lang="vi-VN" dirty="0" smtClean="0"/>
+              <a:rPr lang="vi-VN" dirty="0" smtClean="0">
+                <a:latin typeface="Segoe UI" panose="020B0502040204020203" pitchFamily="34" charset="0"/>
+                <a:cs typeface="Segoe UI" panose="020B0502040204020203" pitchFamily="34" charset="0"/>
+              </a:rPr>
               <a:t>.</a:t>
             </a:r>
             <a:r>
-              <a:rPr lang="vi-VN" dirty="0"/>
+              <a:rPr lang="vi-VN" dirty="0">
+                <a:latin typeface="Segoe UI" panose="020B0502040204020203" pitchFamily="34" charset="0"/>
+                <a:cs typeface="Segoe UI" panose="020B0502040204020203" pitchFamily="34" charset="0"/>
+              </a:rPr>
               <a:t> </a:t>
             </a:r>
-            <a:endParaRPr lang="en-US" dirty="0"/>
+            <a:endParaRPr lang="en-US" dirty="0">
+              <a:latin typeface="Segoe UI" panose="020B0502040204020203" pitchFamily="34" charset="0"/>
+              <a:cs typeface="Segoe UI" panose="020B0502040204020203" pitchFamily="34" charset="0"/>
+            </a:endParaRPr>
           </a:p>
         </p:txBody>
       </p:sp>
@@ -6021,48 +6042,81 @@
           <a:lstStyle/>
           <a:p>
             <a:r>
-              <a:rPr lang="en-US" dirty="0" err="1" smtClean="0"/>
+              <a:rPr lang="en-US" dirty="0" err="1" smtClean="0">
+                <a:latin typeface="Segoe UI" panose="020B0502040204020203" pitchFamily="34" charset="0"/>
+                <a:cs typeface="Segoe UI" panose="020B0502040204020203" pitchFamily="34" charset="0"/>
+              </a:rPr>
               <a:t>Reactjs</a:t>
             </a:r>
             <a:r>
-              <a:rPr lang="en-US" dirty="0" smtClean="0"/>
+              <a:rPr lang="en-US" dirty="0" smtClean="0">
+                <a:latin typeface="Segoe UI" panose="020B0502040204020203" pitchFamily="34" charset="0"/>
+                <a:cs typeface="Segoe UI" panose="020B0502040204020203" pitchFamily="34" charset="0"/>
+              </a:rPr>
               <a:t> </a:t>
             </a:r>
             <a:r>
-              <a:rPr lang="vi-VN" dirty="0"/>
+              <a:rPr lang="vi-VN" dirty="0">
+                <a:latin typeface="Segoe UI" panose="020B0502040204020203" pitchFamily="34" charset="0"/>
+                <a:cs typeface="Segoe UI" panose="020B0502040204020203" pitchFamily="34" charset="0"/>
+              </a:rPr>
               <a:t>là một thư viện Javascript dùng để xây dựng giao diện người </a:t>
             </a:r>
             <a:r>
-              <a:rPr lang="vi-VN" dirty="0" smtClean="0"/>
+              <a:rPr lang="vi-VN" dirty="0" smtClean="0">
+                <a:latin typeface="Segoe UI" panose="020B0502040204020203" pitchFamily="34" charset="0"/>
+                <a:cs typeface="Segoe UI" panose="020B0502040204020203" pitchFamily="34" charset="0"/>
+              </a:rPr>
               <a:t>d</a:t>
             </a:r>
             <a:r>
-              <a:rPr lang="en-US" dirty="0"/>
+              <a:rPr lang="en-US" dirty="0">
+                <a:latin typeface="Segoe UI" panose="020B0502040204020203" pitchFamily="34" charset="0"/>
+                <a:cs typeface="Segoe UI" panose="020B0502040204020203" pitchFamily="34" charset="0"/>
+              </a:rPr>
               <a:t>ù</a:t>
             </a:r>
             <a:r>
-              <a:rPr lang="vi-VN" dirty="0" smtClean="0"/>
+              <a:rPr lang="vi-VN" dirty="0" smtClean="0">
+                <a:latin typeface="Segoe UI" panose="020B0502040204020203" pitchFamily="34" charset="0"/>
+                <a:cs typeface="Segoe UI" panose="020B0502040204020203" pitchFamily="34" charset="0"/>
+              </a:rPr>
               <a:t>ng</a:t>
             </a:r>
             <a:r>
-              <a:rPr lang="en-US" dirty="0" smtClean="0"/>
+              <a:rPr lang="en-US" dirty="0" smtClean="0">
+                <a:latin typeface="Segoe UI" panose="020B0502040204020203" pitchFamily="34" charset="0"/>
+                <a:cs typeface="Segoe UI" panose="020B0502040204020203" pitchFamily="34" charset="0"/>
+              </a:rPr>
               <a:t> (UI) “A </a:t>
             </a:r>
             <a:r>
-              <a:rPr lang="en-US" dirty="0"/>
+              <a:rPr lang="en-US" dirty="0">
+                <a:latin typeface="Segoe UI" panose="020B0502040204020203" pitchFamily="34" charset="0"/>
+                <a:cs typeface="Segoe UI" panose="020B0502040204020203" pitchFamily="34" charset="0"/>
+              </a:rPr>
               <a:t>JavaScript library for building user </a:t>
             </a:r>
             <a:r>
-              <a:rPr lang="en-US" dirty="0" smtClean="0"/>
+              <a:rPr lang="en-US" dirty="0" smtClean="0">
+                <a:latin typeface="Segoe UI" panose="020B0502040204020203" pitchFamily="34" charset="0"/>
+                <a:cs typeface="Segoe UI" panose="020B0502040204020203" pitchFamily="34" charset="0"/>
+              </a:rPr>
               <a:t>interface”.</a:t>
             </a:r>
           </a:p>
           <a:p>
             <a:r>
-              <a:rPr lang="vi-VN" dirty="0"/>
+              <a:rPr lang="vi-VN" dirty="0">
+                <a:latin typeface="Segoe UI" panose="020B0502040204020203" pitchFamily="34" charset="0"/>
+                <a:cs typeface="Segoe UI" panose="020B0502040204020203" pitchFamily="34" charset="0"/>
+              </a:rPr>
               <a:t>Nó không phải là Framework mà chỉ là thư viện, do đó trong MVC nó sẽ tương ứng với phần V.</a:t>
             </a:r>
-            <a:endParaRPr lang="en-US" dirty="0" smtClean="0"/>
+            <a:endParaRPr lang="en-US" dirty="0" smtClean="0">
+              <a:latin typeface="Segoe UI" panose="020B0502040204020203" pitchFamily="34" charset="0"/>
+              <a:cs typeface="Segoe UI" panose="020B0502040204020203" pitchFamily="34" charset="0"/>
+            </a:endParaRPr>
           </a:p>
           <a:p>
             <a:endParaRPr lang="en-US" dirty="0"/>
@@ -6158,104 +6212,172 @@
           <a:lstStyle/>
           <a:p>
             <a:r>
-              <a:rPr lang="en-US" dirty="0" smtClean="0"/>
+              <a:rPr lang="en-US" dirty="0" smtClean="0">
+                <a:latin typeface="Segoe UI" panose="020B0502040204020203" pitchFamily="34" charset="0"/>
+                <a:cs typeface="Segoe UI" panose="020B0502040204020203" pitchFamily="34" charset="0"/>
+              </a:rPr>
               <a:t>1. Component.</a:t>
             </a:r>
           </a:p>
           <a:p>
             <a:pPr lvl="1"/>
             <a:r>
-              <a:rPr lang="vi-VN" dirty="0" smtClean="0"/>
+              <a:rPr lang="vi-VN" dirty="0" smtClean="0">
+                <a:latin typeface="Segoe UI" panose="020B0502040204020203" pitchFamily="34" charset="0"/>
+                <a:cs typeface="Segoe UI" panose="020B0502040204020203" pitchFamily="34" charset="0"/>
+              </a:rPr>
               <a:t>React </a:t>
             </a:r>
             <a:r>
-              <a:rPr lang="vi-VN" dirty="0"/>
+              <a:rPr lang="vi-VN" dirty="0">
+                <a:latin typeface="Segoe UI" panose="020B0502040204020203" pitchFamily="34" charset="0"/>
+                <a:cs typeface="Segoe UI" panose="020B0502040204020203" pitchFamily="34" charset="0"/>
+              </a:rPr>
               <a:t>được xây dựng xung quanh các component, chứ không dùng template như các framework khác</a:t>
             </a:r>
             <a:r>
-              <a:rPr lang="vi-VN" dirty="0" smtClean="0"/>
+              <a:rPr lang="vi-VN" dirty="0" smtClean="0">
+                <a:latin typeface="Segoe UI" panose="020B0502040204020203" pitchFamily="34" charset="0"/>
+                <a:cs typeface="Segoe UI" panose="020B0502040204020203" pitchFamily="34" charset="0"/>
+              </a:rPr>
               <a:t>.</a:t>
             </a:r>
-            <a:endParaRPr lang="en-US" dirty="0" smtClean="0"/>
+            <a:endParaRPr lang="en-US" dirty="0" smtClean="0">
+              <a:latin typeface="Segoe UI" panose="020B0502040204020203" pitchFamily="34" charset="0"/>
+              <a:cs typeface="Segoe UI" panose="020B0502040204020203" pitchFamily="34" charset="0"/>
+            </a:endParaRPr>
           </a:p>
           <a:p>
             <a:pPr lvl="1"/>
             <a:r>
-              <a:rPr lang="en-US" dirty="0" err="1"/>
+              <a:rPr lang="en-US" dirty="0" err="1">
+                <a:latin typeface="Segoe UI" panose="020B0502040204020203" pitchFamily="34" charset="0"/>
+                <a:cs typeface="Segoe UI" panose="020B0502040204020203" pitchFamily="34" charset="0"/>
+              </a:rPr>
               <a:t>Mọi</a:t>
             </a:r>
             <a:r>
-              <a:rPr lang="en-US" dirty="0"/>
+              <a:rPr lang="en-US" dirty="0">
+                <a:latin typeface="Segoe UI" panose="020B0502040204020203" pitchFamily="34" charset="0"/>
+                <a:cs typeface="Segoe UI" panose="020B0502040204020203" pitchFamily="34" charset="0"/>
+              </a:rPr>
               <a:t> </a:t>
             </a:r>
             <a:r>
-              <a:rPr lang="en-US" dirty="0" err="1"/>
+              <a:rPr lang="en-US" dirty="0" err="1">
+                <a:latin typeface="Segoe UI" panose="020B0502040204020203" pitchFamily="34" charset="0"/>
+                <a:cs typeface="Segoe UI" panose="020B0502040204020203" pitchFamily="34" charset="0"/>
+              </a:rPr>
               <a:t>thứ</a:t>
             </a:r>
             <a:r>
-              <a:rPr lang="en-US" dirty="0"/>
+              <a:rPr lang="en-US" dirty="0">
+                <a:latin typeface="Segoe UI" panose="020B0502040204020203" pitchFamily="34" charset="0"/>
+                <a:cs typeface="Segoe UI" panose="020B0502040204020203" pitchFamily="34" charset="0"/>
+              </a:rPr>
               <a:t> </a:t>
             </a:r>
             <a:r>
-              <a:rPr lang="en-US" dirty="0" err="1"/>
+              <a:rPr lang="en-US" dirty="0" err="1">
+                <a:latin typeface="Segoe UI" panose="020B0502040204020203" pitchFamily="34" charset="0"/>
+                <a:cs typeface="Segoe UI" panose="020B0502040204020203" pitchFamily="34" charset="0"/>
+              </a:rPr>
               <a:t>trong</a:t>
             </a:r>
             <a:r>
-              <a:rPr lang="en-US" dirty="0"/>
+              <a:rPr lang="en-US" dirty="0">
+                <a:latin typeface="Segoe UI" panose="020B0502040204020203" pitchFamily="34" charset="0"/>
+                <a:cs typeface="Segoe UI" panose="020B0502040204020203" pitchFamily="34" charset="0"/>
+              </a:rPr>
               <a:t> React </a:t>
             </a:r>
             <a:r>
-              <a:rPr lang="en-US" dirty="0" err="1"/>
+              <a:rPr lang="en-US" dirty="0" err="1">
+                <a:latin typeface="Segoe UI" panose="020B0502040204020203" pitchFamily="34" charset="0"/>
+                <a:cs typeface="Segoe UI" panose="020B0502040204020203" pitchFamily="34" charset="0"/>
+              </a:rPr>
               <a:t>đều</a:t>
             </a:r>
             <a:r>
-              <a:rPr lang="en-US" dirty="0"/>
+              <a:rPr lang="en-US" dirty="0">
+                <a:latin typeface="Segoe UI" panose="020B0502040204020203" pitchFamily="34" charset="0"/>
+                <a:cs typeface="Segoe UI" panose="020B0502040204020203" pitchFamily="34" charset="0"/>
+              </a:rPr>
               <a:t> </a:t>
             </a:r>
             <a:r>
-              <a:rPr lang="en-US" dirty="0" err="1"/>
+              <a:rPr lang="en-US" dirty="0" err="1">
+                <a:latin typeface="Segoe UI" panose="020B0502040204020203" pitchFamily="34" charset="0"/>
+                <a:cs typeface="Segoe UI" panose="020B0502040204020203" pitchFamily="34" charset="0"/>
+              </a:rPr>
               <a:t>có</a:t>
             </a:r>
             <a:r>
-              <a:rPr lang="en-US" dirty="0"/>
+              <a:rPr lang="en-US" dirty="0">
+                <a:latin typeface="Segoe UI" panose="020B0502040204020203" pitchFamily="34" charset="0"/>
+                <a:cs typeface="Segoe UI" panose="020B0502040204020203" pitchFamily="34" charset="0"/>
+              </a:rPr>
               <a:t> </a:t>
             </a:r>
             <a:r>
-              <a:rPr lang="en-US" dirty="0" err="1"/>
+              <a:rPr lang="en-US" dirty="0" err="1">
+                <a:latin typeface="Segoe UI" panose="020B0502040204020203" pitchFamily="34" charset="0"/>
+                <a:cs typeface="Segoe UI" panose="020B0502040204020203" pitchFamily="34" charset="0"/>
+              </a:rPr>
               <a:t>thể</a:t>
             </a:r>
             <a:r>
-              <a:rPr lang="en-US" dirty="0"/>
+              <a:rPr lang="en-US" dirty="0">
+                <a:latin typeface="Segoe UI" panose="020B0502040204020203" pitchFamily="34" charset="0"/>
+                <a:cs typeface="Segoe UI" panose="020B0502040204020203" pitchFamily="34" charset="0"/>
+              </a:rPr>
               <a:t> </a:t>
             </a:r>
             <a:r>
-              <a:rPr lang="en-US" dirty="0" err="1"/>
+              <a:rPr lang="en-US" dirty="0" err="1">
+                <a:latin typeface="Segoe UI" panose="020B0502040204020203" pitchFamily="34" charset="0"/>
+                <a:cs typeface="Segoe UI" panose="020B0502040204020203" pitchFamily="34" charset="0"/>
+              </a:rPr>
               <a:t>coi</a:t>
             </a:r>
             <a:r>
-              <a:rPr lang="en-US" dirty="0"/>
+              <a:rPr lang="en-US" dirty="0">
+                <a:latin typeface="Segoe UI" panose="020B0502040204020203" pitchFamily="34" charset="0"/>
+                <a:cs typeface="Segoe UI" panose="020B0502040204020203" pitchFamily="34" charset="0"/>
+              </a:rPr>
               <a:t> </a:t>
             </a:r>
             <a:r>
-              <a:rPr lang="en-US" dirty="0" err="1"/>
+              <a:rPr lang="en-US" dirty="0" err="1">
+                <a:latin typeface="Segoe UI" panose="020B0502040204020203" pitchFamily="34" charset="0"/>
+                <a:cs typeface="Segoe UI" panose="020B0502040204020203" pitchFamily="34" charset="0"/>
+              </a:rPr>
               <a:t>là</a:t>
             </a:r>
             <a:r>
-              <a:rPr lang="en-US" dirty="0"/>
+              <a:rPr lang="en-US" dirty="0">
+                <a:latin typeface="Segoe UI" panose="020B0502040204020203" pitchFamily="34" charset="0"/>
+                <a:cs typeface="Segoe UI" panose="020B0502040204020203" pitchFamily="34" charset="0"/>
+              </a:rPr>
               <a:t> </a:t>
             </a:r>
             <a:r>
-              <a:rPr lang="en-US" dirty="0" smtClean="0"/>
+              <a:rPr lang="en-US" dirty="0" smtClean="0">
+                <a:latin typeface="Segoe UI" panose="020B0502040204020203" pitchFamily="34" charset="0"/>
+                <a:cs typeface="Segoe UI" panose="020B0502040204020203" pitchFamily="34" charset="0"/>
+              </a:rPr>
               <a:t>Component</a:t>
             </a:r>
           </a:p>
           <a:p>
             <a:pPr lvl="1"/>
             <a:r>
-              <a:rPr lang="en-US" dirty="0" smtClean="0"/>
+              <a:rPr lang="en-US" b="1" dirty="0" smtClean="0">
+                <a:latin typeface="Segoe UI" panose="020B0502040204020203" pitchFamily="34" charset="0"/>
+                <a:cs typeface="Segoe UI" panose="020B0502040204020203" pitchFamily="34" charset="0"/>
+              </a:rPr>
               <a:t>Component everywhere.</a:t>
             </a:r>
-            <a:endParaRPr lang="en-US" dirty="0" smtClean="0"/>
           </a:p>
           <a:p>
             <a:pPr lvl="1"/>
@@ -6368,236 +6490,208 @@
           <a:lstStyle/>
           <a:p>
             <a:r>
-              <a:rPr lang="en-US" dirty="0" smtClean="0"/>
+              <a:rPr lang="en-US" dirty="0" smtClean="0">
+                <a:latin typeface="Segoe UI" panose="020B0502040204020203" pitchFamily="34" charset="0"/>
+                <a:cs typeface="Segoe UI" panose="020B0502040204020203" pitchFamily="34" charset="0"/>
+              </a:rPr>
               <a:t>2. JSX</a:t>
             </a:r>
           </a:p>
           <a:p>
             <a:pPr lvl="1"/>
             <a:r>
-              <a:rPr lang="en-US" sz="2000" b="1" dirty="0"/>
+              <a:rPr lang="en-US" sz="2000" b="1" dirty="0">
+                <a:latin typeface="Segoe UI" panose="020B0502040204020203" pitchFamily="34" charset="0"/>
+                <a:cs typeface="Segoe UI" panose="020B0502040204020203" pitchFamily="34" charset="0"/>
+              </a:rPr>
               <a:t>JSX = JS + XML</a:t>
             </a:r>
-            <a:endParaRPr lang="en-US" sz="2000" dirty="0" smtClean="0"/>
+            <a:endParaRPr lang="en-US" sz="2000" dirty="0" smtClean="0">
+              <a:latin typeface="Segoe UI" panose="020B0502040204020203" pitchFamily="34" charset="0"/>
+              <a:cs typeface="Segoe UI" panose="020B0502040204020203" pitchFamily="34" charset="0"/>
+            </a:endParaRPr>
           </a:p>
           <a:p>
             <a:pPr lvl="1"/>
             <a:r>
-              <a:rPr lang="en-US" dirty="0"/>
+              <a:rPr lang="en-US" dirty="0">
+                <a:latin typeface="Segoe UI" panose="020B0502040204020203" pitchFamily="34" charset="0"/>
+                <a:cs typeface="Segoe UI" panose="020B0502040204020203" pitchFamily="34" charset="0"/>
+              </a:rPr>
               <a:t>JSX </a:t>
             </a:r>
             <a:r>
-              <a:rPr lang="en-US" dirty="0" err="1"/>
+              <a:rPr lang="en-US" dirty="0" err="1">
+                <a:latin typeface="Segoe UI" panose="020B0502040204020203" pitchFamily="34" charset="0"/>
+                <a:cs typeface="Segoe UI" panose="020B0502040204020203" pitchFamily="34" charset="0"/>
+              </a:rPr>
               <a:t>là</a:t>
             </a:r>
             <a:r>
-              <a:rPr lang="en-US" dirty="0"/>
+              <a:rPr lang="en-US" dirty="0">
+                <a:latin typeface="Segoe UI" panose="020B0502040204020203" pitchFamily="34" charset="0"/>
+                <a:cs typeface="Segoe UI" panose="020B0502040204020203" pitchFamily="34" charset="0"/>
+              </a:rPr>
               <a:t> </a:t>
             </a:r>
             <a:r>
-              <a:rPr lang="en-US" dirty="0" err="1"/>
+              <a:rPr lang="en-US" dirty="0" err="1">
+                <a:latin typeface="Segoe UI" panose="020B0502040204020203" pitchFamily="34" charset="0"/>
+                <a:cs typeface="Segoe UI" panose="020B0502040204020203" pitchFamily="34" charset="0"/>
+              </a:rPr>
               <a:t>một</a:t>
             </a:r>
             <a:r>
-              <a:rPr lang="en-US" dirty="0"/>
+              <a:rPr lang="en-US" dirty="0">
+                <a:latin typeface="Segoe UI" panose="020B0502040204020203" pitchFamily="34" charset="0"/>
+                <a:cs typeface="Segoe UI" panose="020B0502040204020203" pitchFamily="34" charset="0"/>
+              </a:rPr>
               <a:t> </a:t>
             </a:r>
             <a:r>
-              <a:rPr lang="en-US" dirty="0" err="1"/>
+              <a:rPr lang="en-US" dirty="0" err="1">
+                <a:latin typeface="Segoe UI" panose="020B0502040204020203" pitchFamily="34" charset="0"/>
+                <a:cs typeface="Segoe UI" panose="020B0502040204020203" pitchFamily="34" charset="0"/>
+              </a:rPr>
               <a:t>dạng</a:t>
             </a:r>
             <a:r>
-              <a:rPr lang="en-US" dirty="0"/>
+              <a:rPr lang="en-US" dirty="0">
+                <a:latin typeface="Segoe UI" panose="020B0502040204020203" pitchFamily="34" charset="0"/>
+                <a:cs typeface="Segoe UI" panose="020B0502040204020203" pitchFamily="34" charset="0"/>
+              </a:rPr>
               <a:t> </a:t>
             </a:r>
             <a:r>
-              <a:rPr lang="en-US" dirty="0" err="1"/>
+              <a:rPr lang="en-US" dirty="0" err="1">
+                <a:latin typeface="Segoe UI" panose="020B0502040204020203" pitchFamily="34" charset="0"/>
+                <a:cs typeface="Segoe UI" panose="020B0502040204020203" pitchFamily="34" charset="0"/>
+              </a:rPr>
               <a:t>ngôn</a:t>
             </a:r>
             <a:r>
-              <a:rPr lang="en-US" dirty="0"/>
+              <a:rPr lang="en-US" dirty="0">
+                <a:latin typeface="Segoe UI" panose="020B0502040204020203" pitchFamily="34" charset="0"/>
+                <a:cs typeface="Segoe UI" panose="020B0502040204020203" pitchFamily="34" charset="0"/>
+              </a:rPr>
               <a:t> </a:t>
             </a:r>
             <a:r>
-              <a:rPr lang="en-US" dirty="0" err="1"/>
+              <a:rPr lang="en-US" dirty="0" err="1">
+                <a:latin typeface="Segoe UI" panose="020B0502040204020203" pitchFamily="34" charset="0"/>
+                <a:cs typeface="Segoe UI" panose="020B0502040204020203" pitchFamily="34" charset="0"/>
+              </a:rPr>
               <a:t>ngữ</a:t>
             </a:r>
             <a:r>
-              <a:rPr lang="en-US" dirty="0"/>
+              <a:rPr lang="en-US" dirty="0">
+                <a:latin typeface="Segoe UI" panose="020B0502040204020203" pitchFamily="34" charset="0"/>
+                <a:cs typeface="Segoe UI" panose="020B0502040204020203" pitchFamily="34" charset="0"/>
+              </a:rPr>
               <a:t> </a:t>
             </a:r>
             <a:r>
-              <a:rPr lang="en-US" dirty="0" err="1"/>
+              <a:rPr lang="en-US" dirty="0" err="1">
+                <a:latin typeface="Segoe UI" panose="020B0502040204020203" pitchFamily="34" charset="0"/>
+                <a:cs typeface="Segoe UI" panose="020B0502040204020203" pitchFamily="34" charset="0"/>
+              </a:rPr>
               <a:t>cho</a:t>
             </a:r>
             <a:r>
-              <a:rPr lang="en-US" dirty="0"/>
+              <a:rPr lang="en-US" dirty="0">
+                <a:latin typeface="Segoe UI" panose="020B0502040204020203" pitchFamily="34" charset="0"/>
+                <a:cs typeface="Segoe UI" panose="020B0502040204020203" pitchFamily="34" charset="0"/>
+              </a:rPr>
               <a:t> </a:t>
             </a:r>
             <a:r>
-              <a:rPr lang="en-US" dirty="0" err="1"/>
+              <a:rPr lang="en-US" dirty="0" err="1">
+                <a:latin typeface="Segoe UI" panose="020B0502040204020203" pitchFamily="34" charset="0"/>
+                <a:cs typeface="Segoe UI" panose="020B0502040204020203" pitchFamily="34" charset="0"/>
+              </a:rPr>
               <a:t>phép</a:t>
             </a:r>
             <a:r>
-              <a:rPr lang="en-US" dirty="0"/>
+              <a:rPr lang="en-US" dirty="0">
+                <a:latin typeface="Segoe UI" panose="020B0502040204020203" pitchFamily="34" charset="0"/>
+                <a:cs typeface="Segoe UI" panose="020B0502040204020203" pitchFamily="34" charset="0"/>
+              </a:rPr>
               <a:t> </a:t>
             </a:r>
             <a:r>
-              <a:rPr lang="en-US" dirty="0" err="1"/>
+              <a:rPr lang="en-US" dirty="0" err="1">
+                <a:latin typeface="Segoe UI" panose="020B0502040204020203" pitchFamily="34" charset="0"/>
+                <a:cs typeface="Segoe UI" panose="020B0502040204020203" pitchFamily="34" charset="0"/>
+              </a:rPr>
               <a:t>viết</a:t>
             </a:r>
             <a:r>
-              <a:rPr lang="en-US" dirty="0"/>
+              <a:rPr lang="en-US" dirty="0">
+                <a:latin typeface="Segoe UI" panose="020B0502040204020203" pitchFamily="34" charset="0"/>
+                <a:cs typeface="Segoe UI" panose="020B0502040204020203" pitchFamily="34" charset="0"/>
+              </a:rPr>
               <a:t> </a:t>
             </a:r>
             <a:r>
-              <a:rPr lang="en-US" dirty="0" err="1"/>
+              <a:rPr lang="en-US" dirty="0" err="1">
+                <a:latin typeface="Segoe UI" panose="020B0502040204020203" pitchFamily="34" charset="0"/>
+                <a:cs typeface="Segoe UI" panose="020B0502040204020203" pitchFamily="34" charset="0"/>
+              </a:rPr>
               <a:t>các</a:t>
             </a:r>
             <a:r>
-              <a:rPr lang="en-US" dirty="0"/>
+              <a:rPr lang="en-US" dirty="0">
+                <a:latin typeface="Segoe UI" panose="020B0502040204020203" pitchFamily="34" charset="0"/>
+                <a:cs typeface="Segoe UI" panose="020B0502040204020203" pitchFamily="34" charset="0"/>
+              </a:rPr>
               <a:t> </a:t>
             </a:r>
             <a:r>
-              <a:rPr lang="en-US" dirty="0" err="1"/>
+              <a:rPr lang="en-US" dirty="0" err="1">
+                <a:latin typeface="Segoe UI" panose="020B0502040204020203" pitchFamily="34" charset="0"/>
+                <a:cs typeface="Segoe UI" panose="020B0502040204020203" pitchFamily="34" charset="0"/>
+              </a:rPr>
               <a:t>mã</a:t>
             </a:r>
             <a:r>
-              <a:rPr lang="en-US" dirty="0"/>
+              <a:rPr lang="en-US" dirty="0">
+                <a:latin typeface="Segoe UI" panose="020B0502040204020203" pitchFamily="34" charset="0"/>
+                <a:cs typeface="Segoe UI" panose="020B0502040204020203" pitchFamily="34" charset="0"/>
+              </a:rPr>
               <a:t> HTML </a:t>
             </a:r>
             <a:r>
-              <a:rPr lang="en-US" dirty="0" err="1"/>
+              <a:rPr lang="en-US" dirty="0" err="1">
+                <a:latin typeface="Segoe UI" panose="020B0502040204020203" pitchFamily="34" charset="0"/>
+                <a:cs typeface="Segoe UI" panose="020B0502040204020203" pitchFamily="34" charset="0"/>
+              </a:rPr>
               <a:t>trong</a:t>
             </a:r>
             <a:r>
-              <a:rPr lang="en-US" dirty="0"/>
+              <a:rPr lang="en-US" dirty="0">
+                <a:latin typeface="Segoe UI" panose="020B0502040204020203" pitchFamily="34" charset="0"/>
+                <a:cs typeface="Segoe UI" panose="020B0502040204020203" pitchFamily="34" charset="0"/>
+              </a:rPr>
               <a:t> </a:t>
             </a:r>
             <a:r>
-              <a:rPr lang="en-US" dirty="0" err="1"/>
+              <a:rPr lang="en-US" dirty="0" err="1">
+                <a:latin typeface="Segoe UI" panose="020B0502040204020203" pitchFamily="34" charset="0"/>
+                <a:cs typeface="Segoe UI" panose="020B0502040204020203" pitchFamily="34" charset="0"/>
+              </a:rPr>
               <a:t>Javascript</a:t>
             </a:r>
             <a:r>
-              <a:rPr lang="en-US" dirty="0" smtClean="0"/>
+              <a:rPr lang="en-US" dirty="0" smtClean="0">
+                <a:latin typeface="Segoe UI" panose="020B0502040204020203" pitchFamily="34" charset="0"/>
+                <a:cs typeface="Segoe UI" panose="020B0502040204020203" pitchFamily="34" charset="0"/>
+              </a:rPr>
               <a:t>.</a:t>
             </a:r>
-          </a:p>
-          <a:p>
-            <a:pPr lvl="1"/>
-            <a:r>
-              <a:rPr lang="en-US" dirty="0" err="1" smtClean="0"/>
-              <a:t>Khi</a:t>
-            </a:r>
-            <a:r>
-              <a:rPr lang="en-US" dirty="0" smtClean="0"/>
-              <a:t> </a:t>
-            </a:r>
-            <a:r>
-              <a:rPr lang="en-US" dirty="0" err="1" smtClean="0"/>
-              <a:t>phát</a:t>
-            </a:r>
-            <a:r>
-              <a:rPr lang="en-US" dirty="0" smtClean="0"/>
-              <a:t> </a:t>
-            </a:r>
-            <a:r>
-              <a:rPr lang="en-US" dirty="0" err="1" smtClean="0"/>
-              <a:t>triển</a:t>
-            </a:r>
-            <a:r>
-              <a:rPr lang="en-US" dirty="0" smtClean="0"/>
-              <a:t> website </a:t>
-            </a:r>
-            <a:r>
-              <a:rPr lang="en-US" dirty="0" err="1" smtClean="0"/>
-              <a:t>cần</a:t>
-            </a:r>
-            <a:r>
-              <a:rPr lang="en-US" dirty="0" smtClean="0"/>
-              <a:t> </a:t>
-            </a:r>
-            <a:r>
-              <a:rPr lang="en-US" dirty="0" err="1" smtClean="0"/>
-              <a:t>phải</a:t>
-            </a:r>
-            <a:r>
-              <a:rPr lang="en-US" dirty="0" smtClean="0"/>
-              <a:t> </a:t>
-            </a:r>
-            <a:r>
-              <a:rPr lang="en-US" dirty="0" err="1" smtClean="0"/>
-              <a:t>sử</a:t>
-            </a:r>
-            <a:r>
-              <a:rPr lang="en-US" dirty="0" smtClean="0"/>
-              <a:t> </a:t>
-            </a:r>
-            <a:r>
-              <a:rPr lang="en-US" dirty="0" err="1" smtClean="0"/>
-              <a:t>dụng</a:t>
-            </a:r>
-            <a:r>
-              <a:rPr lang="en-US" dirty="0" smtClean="0"/>
-              <a:t> </a:t>
-            </a:r>
-            <a:r>
-              <a:rPr lang="en-US" dirty="0" err="1" smtClean="0"/>
-              <a:t>thư</a:t>
-            </a:r>
-            <a:r>
-              <a:rPr lang="en-US" dirty="0" smtClean="0"/>
-              <a:t> </a:t>
-            </a:r>
-            <a:r>
-              <a:rPr lang="en-US" dirty="0" err="1" smtClean="0"/>
-              <a:t>viện</a:t>
-            </a:r>
-            <a:r>
-              <a:rPr lang="en-US" dirty="0" smtClean="0"/>
-              <a:t> Babel </a:t>
-            </a:r>
-            <a:r>
-              <a:rPr lang="en-US" dirty="0" err="1" smtClean="0"/>
-              <a:t>để</a:t>
-            </a:r>
-            <a:r>
-              <a:rPr lang="en-US" dirty="0" smtClean="0"/>
-              <a:t> </a:t>
-            </a:r>
-            <a:r>
-              <a:rPr lang="en-US" dirty="0" err="1" smtClean="0"/>
-              <a:t>biên</a:t>
-            </a:r>
-            <a:r>
-              <a:rPr lang="en-US" dirty="0" smtClean="0"/>
-              <a:t> </a:t>
-            </a:r>
-            <a:r>
-              <a:rPr lang="en-US" dirty="0" err="1" smtClean="0"/>
-              <a:t>dịch</a:t>
-            </a:r>
-            <a:r>
-              <a:rPr lang="en-US" dirty="0" smtClean="0"/>
-              <a:t> JSX </a:t>
-            </a:r>
-            <a:r>
-              <a:rPr lang="en-US" dirty="0" err="1" smtClean="0"/>
-              <a:t>thành</a:t>
-            </a:r>
-            <a:r>
-              <a:rPr lang="en-US" dirty="0" smtClean="0"/>
-              <a:t> </a:t>
-            </a:r>
-            <a:r>
-              <a:rPr lang="en-US" dirty="0" err="1" smtClean="0"/>
-              <a:t>Javascript</a:t>
-            </a:r>
-            <a:r>
-              <a:rPr lang="en-US" dirty="0" smtClean="0"/>
-              <a:t>.</a:t>
-            </a:r>
-            <a:endParaRPr lang="en-US" dirty="0"/>
+            <a:endParaRPr lang="en-US" dirty="0" smtClean="0">
+              <a:latin typeface="Segoe UI" panose="020B0502040204020203" pitchFamily="34" charset="0"/>
+              <a:cs typeface="Segoe UI" panose="020B0502040204020203" pitchFamily="34" charset="0"/>
+            </a:endParaRPr>
           </a:p>
         </p:txBody>
       </p:sp>
@@ -6685,26 +6779,44 @@
           <a:lstStyle/>
           <a:p>
             <a:r>
-              <a:rPr lang="vi-VN" dirty="0"/>
+              <a:rPr lang="vi-VN" dirty="0">
+                <a:latin typeface="Segoe UI" panose="020B0502040204020203" pitchFamily="34" charset="0"/>
+                <a:cs typeface="Segoe UI" panose="020B0502040204020203" pitchFamily="34" charset="0"/>
+              </a:rPr>
               <a:t>Có thể nói điểm mạnh của React đó là tiếp cận khá </a:t>
             </a:r>
             <a:r>
-              <a:rPr lang="vi-VN" dirty="0" smtClean="0"/>
+              <a:rPr lang="vi-VN" dirty="0" smtClean="0">
+                <a:latin typeface="Segoe UI" panose="020B0502040204020203" pitchFamily="34" charset="0"/>
+                <a:cs typeface="Segoe UI" panose="020B0502040204020203" pitchFamily="34" charset="0"/>
+              </a:rPr>
               <a:t>dễ dàng cho người mới bắt đầu – tất </a:t>
             </a:r>
             <a:r>
-              <a:rPr lang="vi-VN" dirty="0"/>
+              <a:rPr lang="vi-VN" dirty="0">
+                <a:latin typeface="Segoe UI" panose="020B0502040204020203" pitchFamily="34" charset="0"/>
+                <a:cs typeface="Segoe UI" panose="020B0502040204020203" pitchFamily="34" charset="0"/>
+              </a:rPr>
               <a:t>nhiên là với người đã biết qua về Javascript, </a:t>
             </a:r>
             <a:r>
-              <a:rPr lang="vi-VN" dirty="0" smtClean="0"/>
+              <a:rPr lang="vi-VN" dirty="0" smtClean="0">
+                <a:latin typeface="Segoe UI" panose="020B0502040204020203" pitchFamily="34" charset="0"/>
+                <a:cs typeface="Segoe UI" panose="020B0502040204020203" pitchFamily="34" charset="0"/>
+              </a:rPr>
               <a:t>hiệu </a:t>
             </a:r>
             <a:r>
-              <a:rPr lang="vi-VN" dirty="0"/>
+              <a:rPr lang="vi-VN" dirty="0">
+                <a:latin typeface="Segoe UI" panose="020B0502040204020203" pitchFamily="34" charset="0"/>
+                <a:cs typeface="Segoe UI" panose="020B0502040204020203" pitchFamily="34" charset="0"/>
+              </a:rPr>
               <a:t>năng cao đối với các ứng dụng có dữ liệu thay đổi liên tục, dễ dàng cho bảo trì và sửa lỗi.</a:t>
             </a:r>
-            <a:endParaRPr lang="en-US" dirty="0"/>
+            <a:endParaRPr lang="en-US" dirty="0">
+              <a:latin typeface="Segoe UI" panose="020B0502040204020203" pitchFamily="34" charset="0"/>
+              <a:cs typeface="Segoe UI" panose="020B0502040204020203" pitchFamily="34" charset="0"/>
+            </a:endParaRPr>
           </a:p>
         </p:txBody>
       </p:sp>
